--- a/OverViewMaterials/What is Dax.pptx
+++ b/OverViewMaterials/What is Dax.pptx
@@ -5,7 +5,7 @@
     <p:sldMasterId id="2147483648" r:id="rId1"/>
   </p:sldMasterIdLst>
   <p:notesMasterIdLst>
-    <p:notesMasterId r:id="rId11"/>
+    <p:notesMasterId r:id="rId12"/>
   </p:notesMasterIdLst>
   <p:sldIdLst>
     <p:sldId id="256" r:id="rId2"/>
@@ -16,7 +16,8 @@
     <p:sldId id="264" r:id="rId7"/>
     <p:sldId id="259" r:id="rId8"/>
     <p:sldId id="260" r:id="rId9"/>
-    <p:sldId id="261" r:id="rId10"/>
+    <p:sldId id="265" r:id="rId10"/>
+    <p:sldId id="261" r:id="rId11"/>
   </p:sldIdLst>
   <p:sldSz cx="12192000" cy="6858000"/>
   <p:notesSz cx="6858000" cy="9144000"/>
@@ -334,7 +335,7 @@
           <a:p>
             <a:fld id="{2C03BFE6-6ED0-434D-972A-904DB50EB504}" type="datetimeFigureOut">
               <a:rPr lang="en-US" smtClean="0"/>
-              <a:t>3/13/2020</a:t>
+              <a:t>10/3/2020</a:t>
             </a:fld>
             <a:endParaRPr lang="en-US"/>
           </a:p>
@@ -685,6 +686,90 @@
 </p:notes>
 </file>
 
+<file path=ppt/notesSlides/notesSlide10.xml><?xml version="1.0" encoding="utf-8"?>
+<p:notes xmlns:a="http://schemas.openxmlformats.org/drawingml/2006/main" xmlns:r="http://schemas.openxmlformats.org/officeDocument/2006/relationships" xmlns:p="http://schemas.openxmlformats.org/presentationml/2006/main">
+  <p:cSld>
+    <p:spTree>
+      <p:nvGrpSpPr>
+        <p:cNvPr id="1" name=""/>
+        <p:cNvGrpSpPr/>
+        <p:nvPr/>
+      </p:nvGrpSpPr>
+      <p:grpSpPr>
+        <a:xfrm>
+          <a:off x="0" y="0"/>
+          <a:ext cx="0" cy="0"/>
+          <a:chOff x="0" y="0"/>
+          <a:chExt cx="0" cy="0"/>
+        </a:xfrm>
+      </p:grpSpPr>
+      <p:sp>
+        <p:nvSpPr>
+          <p:cNvPr id="2" name="Slide Image Placeholder 1"/>
+          <p:cNvSpPr>
+            <a:spLocks noGrp="1" noRot="1" noChangeAspect="1"/>
+          </p:cNvSpPr>
+          <p:nvPr>
+            <p:ph type="sldImg"/>
+          </p:nvPr>
+        </p:nvSpPr>
+        <p:spPr/>
+      </p:sp>
+      <p:sp>
+        <p:nvSpPr>
+          <p:cNvPr id="3" name="Notes Placeholder 2"/>
+          <p:cNvSpPr>
+            <a:spLocks noGrp="1"/>
+          </p:cNvSpPr>
+          <p:nvPr>
+            <p:ph type="body" idx="1"/>
+          </p:nvPr>
+        </p:nvSpPr>
+        <p:spPr/>
+        <p:txBody>
+          <a:bodyPr/>
+          <a:lstStyle/>
+          <a:p>
+            <a:endParaRPr lang="en-US" dirty="0"/>
+          </a:p>
+        </p:txBody>
+      </p:sp>
+      <p:sp>
+        <p:nvSpPr>
+          <p:cNvPr id="4" name="Slide Number Placeholder 3"/>
+          <p:cNvSpPr>
+            <a:spLocks noGrp="1"/>
+          </p:cNvSpPr>
+          <p:nvPr>
+            <p:ph type="sldNum" sz="quarter" idx="10"/>
+          </p:nvPr>
+        </p:nvSpPr>
+        <p:spPr/>
+        <p:txBody>
+          <a:bodyPr/>
+          <a:lstStyle/>
+          <a:p>
+            <a:fld id="{DD81A89D-8738-4ED5-BF6E-F438F4965D3F}" type="slidenum">
+              <a:rPr lang="en-US" smtClean="0"/>
+              <a:t>10</a:t>
+            </a:fld>
+            <a:endParaRPr lang="en-US" dirty="0"/>
+          </a:p>
+        </p:txBody>
+      </p:sp>
+    </p:spTree>
+    <p:extLst>
+      <p:ext uri="{BB962C8B-B14F-4D97-AF65-F5344CB8AC3E}">
+        <p14:creationId xmlns:p14="http://schemas.microsoft.com/office/powerpoint/2010/main" val="749121618"/>
+      </p:ext>
+    </p:extLst>
+  </p:cSld>
+  <p:clrMapOvr>
+    <a:masterClrMapping/>
+  </p:clrMapOvr>
+</p:notes>
+</file>
+
 <file path=ppt/notesSlides/notesSlide2.xml><?xml version="1.0" encoding="utf-8"?>
 <p:notes xmlns:a="http://schemas.openxmlformats.org/drawingml/2006/main" xmlns:r="http://schemas.openxmlformats.org/officeDocument/2006/relationships" xmlns:p="http://schemas.openxmlformats.org/presentationml/2006/main">
   <p:cSld>
@@ -1790,7 +1875,7 @@
           <a:bodyPr/>
           <a:lstStyle/>
           <a:p>
-            <a:endParaRPr lang="en-US" dirty="0"/>
+            <a:endParaRPr lang="en-US"/>
           </a:p>
         </p:txBody>
       </p:sp>
@@ -1809,18 +1894,18 @@
           <a:bodyPr/>
           <a:lstStyle/>
           <a:p>
-            <a:fld id="{DD81A89D-8738-4ED5-BF6E-F438F4965D3F}" type="slidenum">
+            <a:fld id="{A791CC97-5C05-4474-A301-FDBD01BCA1C7}" type="slidenum">
               <a:rPr lang="en-US" smtClean="0"/>
               <a:t>9</a:t>
             </a:fld>
-            <a:endParaRPr lang="en-US" dirty="0"/>
+            <a:endParaRPr lang="en-US"/>
           </a:p>
         </p:txBody>
       </p:sp>
     </p:spTree>
     <p:extLst>
       <p:ext uri="{BB962C8B-B14F-4D97-AF65-F5344CB8AC3E}">
-        <p14:creationId xmlns:p14="http://schemas.microsoft.com/office/powerpoint/2010/main" val="749121618"/>
+        <p14:creationId xmlns:p14="http://schemas.microsoft.com/office/powerpoint/2010/main" val="1933342738"/>
       </p:ext>
     </p:extLst>
   </p:cSld>
@@ -1977,7 +2062,7 @@
           <a:p>
             <a:fld id="{2EDEC2C1-A425-4452-9281-A80731950155}" type="datetimeFigureOut">
               <a:rPr lang="en-US" smtClean="0"/>
-              <a:t>3/13/2020</a:t>
+              <a:t>10/3/2020</a:t>
             </a:fld>
             <a:endParaRPr lang="en-US"/>
           </a:p>
@@ -2175,7 +2260,7 @@
           <a:p>
             <a:fld id="{2EDEC2C1-A425-4452-9281-A80731950155}" type="datetimeFigureOut">
               <a:rPr lang="en-US" smtClean="0"/>
-              <a:t>3/13/2020</a:t>
+              <a:t>10/3/2020</a:t>
             </a:fld>
             <a:endParaRPr lang="en-US"/>
           </a:p>
@@ -2383,7 +2468,7 @@
           <a:p>
             <a:fld id="{2EDEC2C1-A425-4452-9281-A80731950155}" type="datetimeFigureOut">
               <a:rPr lang="en-US" smtClean="0"/>
-              <a:t>3/13/2020</a:t>
+              <a:t>10/3/2020</a:t>
             </a:fld>
             <a:endParaRPr lang="en-US"/>
           </a:p>
@@ -2788,7 +2873,7 @@
           <a:p>
             <a:fld id="{2EDEC2C1-A425-4452-9281-A80731950155}" type="datetimeFigureOut">
               <a:rPr lang="en-US" smtClean="0"/>
-              <a:t>3/13/2020</a:t>
+              <a:t>10/3/2020</a:t>
             </a:fld>
             <a:endParaRPr lang="en-US"/>
           </a:p>
@@ -3063,7 +3148,7 @@
           <a:p>
             <a:fld id="{2EDEC2C1-A425-4452-9281-A80731950155}" type="datetimeFigureOut">
               <a:rPr lang="en-US" smtClean="0"/>
-              <a:t>3/13/2020</a:t>
+              <a:t>10/3/2020</a:t>
             </a:fld>
             <a:endParaRPr lang="en-US"/>
           </a:p>
@@ -3328,7 +3413,7 @@
           <a:p>
             <a:fld id="{2EDEC2C1-A425-4452-9281-A80731950155}" type="datetimeFigureOut">
               <a:rPr lang="en-US" smtClean="0"/>
-              <a:t>3/13/2020</a:t>
+              <a:t>10/3/2020</a:t>
             </a:fld>
             <a:endParaRPr lang="en-US"/>
           </a:p>
@@ -3740,7 +3825,7 @@
           <a:p>
             <a:fld id="{2EDEC2C1-A425-4452-9281-A80731950155}" type="datetimeFigureOut">
               <a:rPr lang="en-US" smtClean="0"/>
-              <a:t>3/13/2020</a:t>
+              <a:t>10/3/2020</a:t>
             </a:fld>
             <a:endParaRPr lang="en-US"/>
           </a:p>
@@ -3881,7 +3966,7 @@
           <a:p>
             <a:fld id="{2EDEC2C1-A425-4452-9281-A80731950155}" type="datetimeFigureOut">
               <a:rPr lang="en-US" smtClean="0"/>
-              <a:t>3/13/2020</a:t>
+              <a:t>10/3/2020</a:t>
             </a:fld>
             <a:endParaRPr lang="en-US"/>
           </a:p>
@@ -3994,7 +4079,7 @@
           <a:p>
             <a:fld id="{2EDEC2C1-A425-4452-9281-A80731950155}" type="datetimeFigureOut">
               <a:rPr lang="en-US" smtClean="0"/>
-              <a:t>3/13/2020</a:t>
+              <a:t>10/3/2020</a:t>
             </a:fld>
             <a:endParaRPr lang="en-US"/>
           </a:p>
@@ -4305,7 +4390,7 @@
           <a:p>
             <a:fld id="{2EDEC2C1-A425-4452-9281-A80731950155}" type="datetimeFigureOut">
               <a:rPr lang="en-US" smtClean="0"/>
-              <a:t>3/13/2020</a:t>
+              <a:t>10/3/2020</a:t>
             </a:fld>
             <a:endParaRPr lang="en-US"/>
           </a:p>
@@ -4593,7 +4678,7 @@
           <a:p>
             <a:fld id="{2EDEC2C1-A425-4452-9281-A80731950155}" type="datetimeFigureOut">
               <a:rPr lang="en-US" smtClean="0"/>
-              <a:t>3/13/2020</a:t>
+              <a:t>10/3/2020</a:t>
             </a:fld>
             <a:endParaRPr lang="en-US"/>
           </a:p>
@@ -4834,7 +4919,7 @@
           <a:p>
             <a:fld id="{2EDEC2C1-A425-4452-9281-A80731950155}" type="datetimeFigureOut">
               <a:rPr lang="en-US" smtClean="0"/>
-              <a:t>3/13/2020</a:t>
+              <a:t>10/3/2020</a:t>
             </a:fld>
             <a:endParaRPr lang="en-US"/>
           </a:p>
@@ -5318,6 +5403,173 @@
 </p:sld>
 </file>
 
+<file path=ppt/slides/slide10.xml><?xml version="1.0" encoding="utf-8"?>
+<p:sld xmlns:a="http://schemas.openxmlformats.org/drawingml/2006/main" xmlns:r="http://schemas.openxmlformats.org/officeDocument/2006/relationships" xmlns:p="http://schemas.openxmlformats.org/presentationml/2006/main">
+  <p:cSld>
+    <p:spTree>
+      <p:nvGrpSpPr>
+        <p:cNvPr id="1" name=""/>
+        <p:cNvGrpSpPr/>
+        <p:nvPr/>
+      </p:nvGrpSpPr>
+      <p:grpSpPr>
+        <a:xfrm>
+          <a:off x="0" y="0"/>
+          <a:ext cx="0" cy="0"/>
+          <a:chOff x="0" y="0"/>
+          <a:chExt cx="0" cy="0"/>
+        </a:xfrm>
+      </p:grpSpPr>
+      <p:sp>
+        <p:nvSpPr>
+          <p:cNvPr id="2" name="Title 1"/>
+          <p:cNvSpPr>
+            <a:spLocks noGrp="1"/>
+          </p:cNvSpPr>
+          <p:nvPr>
+            <p:ph type="title"/>
+          </p:nvPr>
+        </p:nvSpPr>
+        <p:spPr/>
+        <p:txBody>
+          <a:bodyPr/>
+          <a:lstStyle/>
+          <a:p>
+            <a:r>
+              <a:rPr lang="en-US" noProof="0" dirty="0"/>
+              <a:t>Enhancing the model</a:t>
+            </a:r>
+          </a:p>
+        </p:txBody>
+      </p:sp>
+      <p:sp>
+        <p:nvSpPr>
+          <p:cNvPr id="4" name="Text Placeholder 3"/>
+          <p:cNvSpPr>
+            <a:spLocks noGrp="1"/>
+          </p:cNvSpPr>
+          <p:nvPr>
+            <p:ph type="body" sz="quarter" idx="11"/>
+          </p:nvPr>
+        </p:nvSpPr>
+        <p:spPr/>
+        <p:txBody>
+          <a:bodyPr/>
+          <a:lstStyle/>
+          <a:p>
+            <a:pPr marL="0" indent="0">
+              <a:buNone/>
+            </a:pPr>
+            <a:r>
+              <a:rPr lang="en-US" noProof="0" dirty="0"/>
+              <a:t>The model design can be modified to improve its clarify, usefulness and improve the Q&amp;A response accuracy</a:t>
+            </a:r>
+          </a:p>
+          <a:p>
+            <a:pPr lvl="1"/>
+            <a:r>
+              <a:rPr lang="en-US" noProof="0" dirty="0"/>
+              <a:t>Set appropriate column data types, formats and categorization</a:t>
+            </a:r>
+          </a:p>
+          <a:p>
+            <a:pPr lvl="1"/>
+            <a:r>
+              <a:rPr lang="en-US" noProof="0" dirty="0"/>
+              <a:t>Ensure relationships are configured</a:t>
+            </a:r>
+          </a:p>
+          <a:p>
+            <a:pPr lvl="1"/>
+            <a:r>
+              <a:rPr lang="en-US" noProof="0" dirty="0"/>
+              <a:t>Ensure table and columns are visible/hidden</a:t>
+            </a:r>
+          </a:p>
+          <a:p>
+            <a:pPr lvl="1"/>
+            <a:r>
+              <a:rPr lang="en-US" noProof="0" dirty="0"/>
+              <a:t>Ensure table, column and measure names are unique and concise</a:t>
+            </a:r>
+          </a:p>
+          <a:p>
+            <a:pPr lvl="1"/>
+            <a:r>
+              <a:rPr lang="en-US" noProof="0" dirty="0"/>
+              <a:t>Define synonyms (in Relationships view) for tables, columns, and calculations</a:t>
+            </a:r>
+          </a:p>
+          <a:p>
+            <a:pPr lvl="2"/>
+            <a:r>
+              <a:rPr lang="en-US" noProof="0" dirty="0"/>
+              <a:t>Synonyms are used with the Q+A Feature (natural language Query) </a:t>
+            </a:r>
+          </a:p>
+          <a:p>
+            <a:pPr lvl="2"/>
+            <a:r>
+              <a:rPr lang="en-US" dirty="0">
+                <a:hlinkClick r:id="rId3"/>
+              </a:rPr>
+              <a:t>https://docs.microsoft.com/en-us/power-bi/create-reports/power-bi-tutorial-q-and-a</a:t>
+            </a:r>
+            <a:r>
+              <a:rPr lang="en-US" dirty="0"/>
+              <a:t> </a:t>
+            </a:r>
+            <a:endParaRPr lang="en-US" noProof="0" dirty="0"/>
+          </a:p>
+        </p:txBody>
+      </p:sp>
+      <p:sp>
+        <p:nvSpPr>
+          <p:cNvPr id="8" name="Content Placeholder 7"/>
+          <p:cNvSpPr>
+            <a:spLocks noGrp="1"/>
+          </p:cNvSpPr>
+          <p:nvPr>
+            <p:ph sz="quarter" idx="10"/>
+          </p:nvPr>
+        </p:nvSpPr>
+        <p:spPr/>
+        <p:txBody>
+          <a:bodyPr/>
+          <a:lstStyle/>
+          <a:p>
+            <a:r>
+              <a:rPr lang="en-US" noProof="0" dirty="0"/>
+              <a:t>Tuning the model</a:t>
+            </a:r>
+          </a:p>
+        </p:txBody>
+      </p:sp>
+    </p:spTree>
+    <p:extLst>
+      <p:ext uri="{BB962C8B-B14F-4D97-AF65-F5344CB8AC3E}">
+        <p14:creationId xmlns:p14="http://schemas.microsoft.com/office/powerpoint/2010/main" val="2989657409"/>
+      </p:ext>
+    </p:extLst>
+  </p:cSld>
+  <p:clrMapOvr>
+    <a:masterClrMapping/>
+  </p:clrMapOvr>
+  <mc:AlternateContent xmlns:mc="http://schemas.openxmlformats.org/markup-compatibility/2006" xmlns:p14="http://schemas.microsoft.com/office/powerpoint/2010/main">
+    <mc:Choice Requires="p14">
+      <p:transition spd="med" p14:dur="700">
+        <p:fade/>
+      </p:transition>
+    </mc:Choice>
+    <mc:Fallback xmlns="">
+      <p:transition spd="med">
+        <p:fade/>
+      </p:transition>
+    </mc:Fallback>
+  </mc:AlternateContent>
+</p:sld>
+</file>
+
 <file path=ppt/slides/slide2.xml><?xml version="1.0" encoding="utf-8"?>
 <p:sld xmlns:a="http://schemas.openxmlformats.org/drawingml/2006/main" xmlns:r="http://schemas.openxmlformats.org/officeDocument/2006/relationships" xmlns:p="http://schemas.openxmlformats.org/presentationml/2006/main">
   <p:cSld>
@@ -5829,66 +6081,14 @@
             </a:pPr>
             <a:r>
               <a:rPr lang="en-US" dirty="0"/>
-              <a:t>Used for:</a:t>
+              <a:t>Used for: Enhancing and simplifying the data model </a:t>
             </a:r>
           </a:p>
           <a:p>
             <a:pPr marL="0" indent="0">
               <a:buNone/>
             </a:pPr>
-            <a:r>
-              <a:rPr lang="en-US" dirty="0"/>
-              <a:t>Enhancing and simplifying the data model </a:t>
-            </a:r>
-          </a:p>
-        </p:txBody>
-      </p:sp>
-      <p:sp>
-        <p:nvSpPr>
-          <p:cNvPr id="5" name="Explosion: 8 Points 4">
-            <a:extLst>
-              <a:ext uri="{FF2B5EF4-FFF2-40B4-BE49-F238E27FC236}">
-                <a16:creationId xmlns:a16="http://schemas.microsoft.com/office/drawing/2014/main" id="{28B20960-365B-4319-889A-4B37FC044A94}"/>
-              </a:ext>
-            </a:extLst>
-          </p:cNvPr>
-          <p:cNvSpPr/>
-          <p:nvPr/>
-        </p:nvSpPr>
-        <p:spPr>
-          <a:xfrm>
-            <a:off x="9158748" y="5353715"/>
-            <a:ext cx="2659626" cy="1091330"/>
-          </a:xfrm>
-          <a:prstGeom prst="irregularSeal1">
-            <a:avLst/>
-          </a:prstGeom>
-        </p:spPr>
-        <p:style>
-          <a:lnRef idx="2">
-            <a:schemeClr val="accent1">
-              <a:shade val="50000"/>
-            </a:schemeClr>
-          </a:lnRef>
-          <a:fillRef idx="1">
-            <a:schemeClr val="accent1"/>
-          </a:fillRef>
-          <a:effectRef idx="0">
-            <a:schemeClr val="accent1"/>
-          </a:effectRef>
-          <a:fontRef idx="minor">
-            <a:schemeClr val="lt1"/>
-          </a:fontRef>
-        </p:style>
-        <p:txBody>
-          <a:bodyPr rtlCol="0" anchor="ctr"/>
-          <a:lstStyle/>
-          <a:p>
-            <a:pPr algn="ctr"/>
-            <a:r>
-              <a:rPr lang="en-US" dirty="0"/>
-              <a:t>Demo</a:t>
-            </a:r>
+            <a:endParaRPr lang="en-US" dirty="0"/>
           </a:p>
         </p:txBody>
       </p:sp>
@@ -6175,7 +6375,7 @@
         </p:nvSpPr>
         <p:spPr>
           <a:xfrm>
-            <a:off x="269875" y="1169988"/>
+            <a:off x="269655" y="1532297"/>
             <a:ext cx="11655425" cy="3947922"/>
           </a:xfrm>
         </p:spPr>
@@ -6226,6 +6426,16 @@
             </a:r>
           </a:p>
           <a:p>
+            <a:pPr lvl="2"/>
+            <a:r>
+              <a:rPr lang="en-US" dirty="0">
+                <a:hlinkClick r:id="rId3"/>
+              </a:rPr>
+              <a:t>https://docs.microsoft.com/en-us/power-bi/create-reports/desktop-add-custom-column</a:t>
+            </a:r>
+            <a:endParaRPr lang="en-US" noProof="0" dirty="0"/>
+          </a:p>
+          <a:p>
             <a:pPr lvl="1"/>
             <a:r>
               <a:rPr lang="en-US" dirty="0"/>
@@ -6236,11 +6446,7 @@
             <a:pPr lvl="2"/>
             <a:r>
               <a:rPr lang="en-US" noProof="0" dirty="0"/>
-              <a:t>Can make some re</a:t>
-            </a:r>
-            <a:r>
-              <a:rPr lang="en-US" dirty="0" err="1"/>
-              <a:t>ferenes</a:t>
+              <a:t>Can make some references</a:t>
             </a:r>
             <a:r>
               <a:rPr lang="en-US" dirty="0"/>
@@ -6260,6 +6466,33 @@
               <a:rPr lang="en-US" dirty="0"/>
               <a:t>Some things can only be done in DAX columns</a:t>
             </a:r>
+          </a:p>
+          <a:p>
+            <a:pPr lvl="2"/>
+            <a:r>
+              <a:rPr lang="en-US" dirty="0">
+                <a:hlinkClick r:id="rId4"/>
+              </a:rPr>
+              <a:t>https://docs.microsoft.com/en-us/power-bi/transform-model/desktop-tutorial-create-calculated-columns</a:t>
+            </a:r>
+            <a:endParaRPr lang="en-US" dirty="0"/>
+          </a:p>
+          <a:p>
+            <a:pPr lvl="1"/>
+            <a:r>
+              <a:rPr lang="en-US" dirty="0"/>
+              <a:t>In general, do custom columns in Power Query but PQ and DAX often give different capabilities </a:t>
+            </a:r>
+          </a:p>
+          <a:p>
+            <a:pPr lvl="1"/>
+            <a:r>
+              <a:rPr lang="en-US" dirty="0"/>
+              <a:t>	</a:t>
+            </a:r>
+          </a:p>
+          <a:p>
+            <a:pPr lvl="1"/>
             <a:endParaRPr lang="en-US" noProof="0" dirty="0"/>
           </a:p>
         </p:txBody>
@@ -6480,55 +6713,6 @@
           </a:p>
         </p:txBody>
       </p:sp>
-      <p:sp>
-        <p:nvSpPr>
-          <p:cNvPr id="6" name="Explosion: 8 Points 5">
-            <a:extLst>
-              <a:ext uri="{FF2B5EF4-FFF2-40B4-BE49-F238E27FC236}">
-                <a16:creationId xmlns:a16="http://schemas.microsoft.com/office/drawing/2014/main" id="{9479AABA-E23C-4614-88CE-AA1D682135B3}"/>
-              </a:ext>
-            </a:extLst>
-          </p:cNvPr>
-          <p:cNvSpPr/>
-          <p:nvPr/>
-        </p:nvSpPr>
-        <p:spPr>
-          <a:xfrm>
-            <a:off x="9158748" y="5353715"/>
-            <a:ext cx="2659626" cy="1091330"/>
-          </a:xfrm>
-          <a:prstGeom prst="irregularSeal1">
-            <a:avLst/>
-          </a:prstGeom>
-        </p:spPr>
-        <p:style>
-          <a:lnRef idx="2">
-            <a:schemeClr val="accent1">
-              <a:shade val="50000"/>
-            </a:schemeClr>
-          </a:lnRef>
-          <a:fillRef idx="1">
-            <a:schemeClr val="accent1"/>
-          </a:fillRef>
-          <a:effectRef idx="0">
-            <a:schemeClr val="accent1"/>
-          </a:effectRef>
-          <a:fontRef idx="minor">
-            <a:schemeClr val="lt1"/>
-          </a:fontRef>
-        </p:style>
-        <p:txBody>
-          <a:bodyPr rtlCol="0" anchor="ctr"/>
-          <a:lstStyle/>
-          <a:p>
-            <a:pPr algn="ctr"/>
-            <a:r>
-              <a:rPr lang="en-US" dirty="0"/>
-              <a:t>Demo</a:t>
-            </a:r>
-          </a:p>
-        </p:txBody>
-      </p:sp>
     </p:spTree>
     <p:extLst>
       <p:ext uri="{BB962C8B-B14F-4D97-AF65-F5344CB8AC3E}">
@@ -6648,7 +6832,7 @@
           <a:p>
             <a:r>
               <a:rPr lang="en-US" noProof="0" dirty="0"/>
-              <a:t>Values are not materialized in the model</a:t>
+              <a:t>Values are not materialized in the model  (not stored so require no diskspace)</a:t>
             </a:r>
           </a:p>
           <a:p>
@@ -6702,7 +6886,7 @@
         </p:nvSpPr>
         <p:spPr>
           <a:xfrm>
-            <a:off x="6336676" y="4074661"/>
+            <a:off x="6422941" y="5503548"/>
             <a:ext cx="5394946" cy="794064"/>
           </a:xfrm>
           <a:prstGeom prst="rect">
@@ -6757,55 +6941,6 @@
                 </a:gradFill>
               </a:rPr>
               <a:t> Any numeric field is a implicit measure – and might not be what you want to summarize</a:t>
-            </a:r>
-          </a:p>
-        </p:txBody>
-      </p:sp>
-      <p:sp>
-        <p:nvSpPr>
-          <p:cNvPr id="6" name="Explosion: 8 Points 5">
-            <a:extLst>
-              <a:ext uri="{FF2B5EF4-FFF2-40B4-BE49-F238E27FC236}">
-                <a16:creationId xmlns:a16="http://schemas.microsoft.com/office/drawing/2014/main" id="{AB66B788-0F14-499E-AF14-24A8F7EAFE99}"/>
-              </a:ext>
-            </a:extLst>
-          </p:cNvPr>
-          <p:cNvSpPr/>
-          <p:nvPr/>
-        </p:nvSpPr>
-        <p:spPr>
-          <a:xfrm>
-            <a:off x="8318090" y="5406670"/>
-            <a:ext cx="2659626" cy="1091330"/>
-          </a:xfrm>
-          <a:prstGeom prst="irregularSeal1">
-            <a:avLst/>
-          </a:prstGeom>
-        </p:spPr>
-        <p:style>
-          <a:lnRef idx="2">
-            <a:schemeClr val="accent1">
-              <a:shade val="50000"/>
-            </a:schemeClr>
-          </a:lnRef>
-          <a:fillRef idx="1">
-            <a:schemeClr val="accent1"/>
-          </a:fillRef>
-          <a:effectRef idx="0">
-            <a:schemeClr val="accent1"/>
-          </a:effectRef>
-          <a:fontRef idx="minor">
-            <a:schemeClr val="lt1"/>
-          </a:fontRef>
-        </p:style>
-        <p:txBody>
-          <a:bodyPr rtlCol="0" anchor="ctr"/>
-          <a:lstStyle/>
-          <a:p>
-            <a:pPr algn="ctr"/>
-            <a:r>
-              <a:rPr lang="en-US" dirty="0"/>
-              <a:t>Demo</a:t>
             </a:r>
           </a:p>
         </p:txBody>
@@ -6876,6 +7011,36 @@
       </p:sp>
       <p:sp>
         <p:nvSpPr>
+          <p:cNvPr id="3" name="Content Placeholder 2"/>
+          <p:cNvSpPr>
+            <a:spLocks noGrp="1"/>
+          </p:cNvSpPr>
+          <p:nvPr>
+            <p:ph sz="quarter" idx="10"/>
+          </p:nvPr>
+        </p:nvSpPr>
+        <p:spPr/>
+        <p:txBody>
+          <a:bodyPr/>
+          <a:lstStyle/>
+          <a:p>
+            <a:r>
+              <a:rPr lang="en-US" noProof="0" dirty="0"/>
+              <a:t>Calculations: </a:t>
+            </a:r>
+            <a:r>
+              <a:rPr lang="en-US" noProof="0" dirty="0" err="1"/>
+              <a:t>Implict</a:t>
+            </a:r>
+            <a:r>
+              <a:rPr lang="en-US" noProof="0" dirty="0"/>
+              <a:t> Measures</a:t>
+            </a:r>
+          </a:p>
+        </p:txBody>
+      </p:sp>
+      <p:sp>
+        <p:nvSpPr>
           <p:cNvPr id="4" name="Text Placeholder 3"/>
           <p:cNvSpPr>
             <a:spLocks noGrp="1"/>
@@ -6886,126 +7051,116 @@
         </p:nvSpPr>
         <p:spPr/>
         <p:txBody>
-          <a:bodyPr/>
-          <a:lstStyle/>
-          <a:p>
+          <a:bodyPr>
+            <a:normAutofit/>
+          </a:bodyPr>
+          <a:lstStyle/>
+          <a:p>
+            <a:r>
+              <a:rPr lang="en-US" dirty="0"/>
+              <a:t>Measures can be defined explicitly</a:t>
+            </a:r>
+          </a:p>
+          <a:p>
+            <a:pPr lvl="2"/>
             <a:r>
               <a:rPr lang="en-US" noProof="0" dirty="0"/>
-              <a:t>The model design can be tuned to improve its usefulness and Q&amp;A response accuracy</a:t>
+              <a:t>Su</a:t>
+            </a:r>
+            <a:r>
+              <a:rPr lang="en-US" dirty="0"/>
+              <a:t>m([Sales]), Average([sales])</a:t>
             </a:r>
           </a:p>
           <a:p>
             <a:pPr lvl="1"/>
             <a:r>
               <a:rPr lang="en-US" noProof="0" dirty="0"/>
-              <a:t>Set appropriate column data types, formats and categorization</a:t>
+              <a:t>Measures exist implicitly</a:t>
+            </a:r>
+          </a:p>
+          <a:p>
+            <a:pPr lvl="2"/>
+            <a:r>
+              <a:rPr lang="en-US" dirty="0"/>
+              <a:t>Any column can act as a simple measure </a:t>
+            </a:r>
+          </a:p>
+          <a:p>
+            <a:pPr lvl="2"/>
+            <a:r>
+              <a:rPr lang="en-US" noProof="0" dirty="0"/>
+              <a:t>Columns ma</a:t>
+            </a:r>
+            <a:r>
+              <a:rPr lang="en-US" dirty="0" err="1"/>
+              <a:t>rked</a:t>
+            </a:r>
+            <a:r>
+              <a:rPr lang="en-US" dirty="0"/>
+              <a:t> with a SUM symbol automatically aggregate </a:t>
+            </a:r>
+          </a:p>
+          <a:p>
+            <a:pPr lvl="2"/>
+            <a:r>
+              <a:rPr lang="en-US" noProof="0" dirty="0"/>
+              <a:t>Other columns can be set to Count and Count Distinct</a:t>
             </a:r>
           </a:p>
           <a:p>
             <a:pPr lvl="1"/>
             <a:r>
-              <a:rPr lang="en-US" noProof="0" dirty="0"/>
-              <a:t>Ensure relationships are configured</a:t>
-            </a:r>
-          </a:p>
-          <a:p>
-            <a:pPr lvl="1"/>
-            <a:r>
-              <a:rPr lang="en-US" noProof="0" dirty="0"/>
-              <a:t>Ensure table and columns are visible/hidden</a:t>
-            </a:r>
-          </a:p>
-          <a:p>
-            <a:pPr lvl="1"/>
-            <a:r>
-              <a:rPr lang="en-US" noProof="0" dirty="0"/>
-              <a:t>Ensure table, column and measure names are unique and concise</a:t>
-            </a:r>
-          </a:p>
-          <a:p>
-            <a:pPr lvl="1"/>
-            <a:r>
-              <a:rPr lang="en-US" noProof="0" dirty="0"/>
-              <a:t>Define synonyms (in Relationships view) for tables, columns, and calculations</a:t>
-            </a:r>
-          </a:p>
-          <a:p>
-            <a:pPr lvl="1"/>
-            <a:r>
               <a:rPr lang="en-US" dirty="0"/>
-              <a:t>A few advanced examples and design technique later</a:t>
+              <a:t>This can cause some confusion </a:t>
+            </a:r>
+          </a:p>
+          <a:p>
+            <a:pPr lvl="2"/>
+            <a:r>
+              <a:rPr lang="en-US" dirty="0"/>
+              <a:t>Review the Video </a:t>
+            </a:r>
+            <a:r>
+              <a:rPr lang="en-US" sz="1800" b="0" i="0" u="none" strike="noStrike" dirty="0">
+                <a:solidFill>
+                  <a:srgbClr val="000000"/>
+                </a:solidFill>
+                <a:effectLst/>
+                <a:latin typeface="Calibri" panose="020F0502020204030204" pitchFamily="34" charset="0"/>
+              </a:rPr>
+              <a:t>300_DIAD_TTT_ImplicitMeasures</a:t>
+            </a:r>
+          </a:p>
+          <a:p>
+            <a:pPr marL="914400" lvl="2" indent="0">
+              <a:buNone/>
+            </a:pPr>
+            <a:r>
+              <a:rPr lang="en-US" dirty="0"/>
+              <a:t> </a:t>
             </a:r>
             <a:endParaRPr lang="en-US" noProof="0" dirty="0"/>
           </a:p>
-          <a:p>
-            <a:pPr lvl="1"/>
-            <a:endParaRPr lang="en-US" noProof="0" dirty="0"/>
-          </a:p>
-        </p:txBody>
-      </p:sp>
-      <p:sp>
-        <p:nvSpPr>
-          <p:cNvPr id="8" name="Content Placeholder 7"/>
-          <p:cNvSpPr>
-            <a:spLocks noGrp="1"/>
-          </p:cNvSpPr>
-          <p:nvPr>
-            <p:ph sz="quarter" idx="10"/>
-          </p:nvPr>
-        </p:nvSpPr>
-        <p:spPr/>
-        <p:txBody>
-          <a:bodyPr/>
-          <a:lstStyle/>
-          <a:p>
-            <a:r>
-              <a:rPr lang="en-US" noProof="0" dirty="0"/>
-              <a:t>Tuning the model</a:t>
-            </a:r>
-          </a:p>
-        </p:txBody>
-      </p:sp>
-      <p:pic>
-        <p:nvPicPr>
-          <p:cNvPr id="3" name="Picture 2"/>
-          <p:cNvPicPr>
-            <a:picLocks noChangeAspect="1"/>
-          </p:cNvPicPr>
-          <p:nvPr/>
-        </p:nvPicPr>
-        <p:blipFill>
-          <a:blip r:embed="rId3"/>
-          <a:stretch>
-            <a:fillRect/>
-          </a:stretch>
-        </p:blipFill>
-        <p:spPr>
-          <a:xfrm>
-            <a:off x="730573" y="5289347"/>
-            <a:ext cx="3323634" cy="1216219"/>
-          </a:xfrm>
-          <a:prstGeom prst="rect">
-            <a:avLst/>
-          </a:prstGeom>
-        </p:spPr>
-      </p:pic>
+        </p:txBody>
+      </p:sp>
     </p:spTree>
     <p:extLst>
       <p:ext uri="{BB962C8B-B14F-4D97-AF65-F5344CB8AC3E}">
-        <p14:creationId xmlns:p14="http://schemas.microsoft.com/office/powerpoint/2010/main" val="2989657409"/>
+        <p14:creationId xmlns:p14="http://schemas.microsoft.com/office/powerpoint/2010/main" val="1448926760"/>
       </p:ext>
     </p:extLst>
   </p:cSld>
   <p:clrMapOvr>
     <a:masterClrMapping/>
   </p:clrMapOvr>
-  <mc:AlternateContent xmlns:mc="http://schemas.openxmlformats.org/markup-compatibility/2006" xmlns:p14="http://schemas.microsoft.com/office/powerpoint/2010/main">
-    <mc:Choice Requires="p14">
+  <mc:AlternateContent xmlns:mc="http://schemas.openxmlformats.org/markup-compatibility/2006">
+    <mc:Choice xmlns:p14="http://schemas.microsoft.com/office/powerpoint/2010/main" Requires="p14">
       <p:transition spd="med" p14:dur="700">
         <p:fade/>
       </p:transition>
     </mc:Choice>
-    <mc:Fallback xmlns="">
+    <mc:Fallback>
       <p:transition spd="med">
         <p:fade/>
       </p:transition>
